--- a/Presentation/Explaination-Guided_Backdoor_Poisoning_Attacks_Against_Malware_Classisfiers.pptx
+++ b/Presentation/Explaination-Guided_Backdoor_Poisoning_Attacks_Against_Malware_Classisfiers.pptx
@@ -115,6 +115,11 @@
       </a:defRPr>
     </a:lvl9pPr>
   </p:defaultTextStyle>
+  <p:extLst>
+    <p:ext uri="{EFAFB233-063F-42B5-8137-9DF3F51BA10A}">
+      <p15:sldGuideLst xmlns:p15="http://schemas.microsoft.com/office/powerpoint/2012/main"/>
+    </p:ext>
+  </p:extLst>
 </p:presentation>
 </file>
 
@@ -6173,31 +6178,6 @@
           </a:p>
         </p:txBody>
       </p:sp>
-      <p:sp>
-        <p:nvSpPr>
-          <p:cNvPr id="3" name="Subtitle 2">
-            <a:extLst>
-              <a:ext uri="{FF2B5EF4-FFF2-40B4-BE49-F238E27FC236}">
-                <a16:creationId xmlns:a16="http://schemas.microsoft.com/office/drawing/2014/main" id="{C112A7A0-9473-0B7C-61E3-75C7CE887189}"/>
-              </a:ext>
-            </a:extLst>
-          </p:cNvPr>
-          <p:cNvSpPr>
-            <a:spLocks noGrp="1"/>
-          </p:cNvSpPr>
-          <p:nvPr>
-            <p:ph type="subTitle" idx="1"/>
-          </p:nvPr>
-        </p:nvSpPr>
-        <p:spPr/>
-        <p:txBody>
-          <a:bodyPr/>
-          <a:lstStyle/>
-          <a:p>
-            <a:endParaRPr lang="en-US" dirty="0"/>
-          </a:p>
-        </p:txBody>
-      </p:sp>
     </p:spTree>
     <p:extLst>
       <p:ext uri="{BB962C8B-B14F-4D97-AF65-F5344CB8AC3E}">
@@ -6850,7 +6830,7 @@
           <a:p>
             <a:r>
               <a:rPr lang="en-US" dirty="0"/>
-              <a:t>ML-Based Classifier</a:t>
+              <a:t>ML-Based Malware Classifier</a:t>
             </a:r>
           </a:p>
         </p:txBody>
